--- a/Fihirana Fanampiny/FF 46.pptx
+++ b/Fihirana Fanampiny/FF 46.pptx
@@ -143,7 +143,7 @@
   </p:defaultTextStyle>
   <p:extLst>
     <p:ext uri="{EFAFB233-063F-42B5-8137-9DF3F51BA10A}">
-      <p15:sldGuideLst xmlns="" xmlns:p15="http://schemas.microsoft.com/office/powerpoint/2012/main">
+      <p15:sldGuideLst xmlns:p15="http://schemas.microsoft.com/office/powerpoint/2012/main">
         <p15:guide id="1" orient="horz" pos="2160" userDrawn="1">
           <p15:clr>
             <a:srgbClr val="A4A3A4"/>
@@ -7052,6 +7052,21 @@
           <a:p>
             <a:pPr eaLnBrk="1" hangingPunct="1"/>
             <a:r>
+              <a:rPr lang="fr-FR" sz="7200" b="1" dirty="0" smtClean="0">
+                <a:solidFill>
+                  <a:schemeClr val="tx1"/>
+                </a:solidFill>
+                <a:effectLst>
+                  <a:outerShdw blurRad="38100" dist="38100" dir="2700000" algn="tl">
+                    <a:srgbClr val="000000">
+                      <a:alpha val="43137"/>
+                    </a:srgbClr>
+                  </a:outerShdw>
+                </a:effectLst>
+              </a:rPr>
+              <a:t>1. </a:t>
+            </a:r>
+            <a:r>
               <a:rPr lang="fr-FR" sz="7200" b="1" dirty="0" err="1" smtClean="0">
                 <a:solidFill>
                   <a:schemeClr val="tx1"/>
@@ -8390,7 +8405,7 @@
                   </a:outerShdw>
                 </a:effectLst>
               </a:rPr>
-              <a:t>Moa </a:t>
+              <a:t>2. Moa </a:t>
             </a:r>
             <a:r>
               <a:rPr lang="fr-FR" sz="7200" b="1" dirty="0" err="1" smtClean="0">
@@ -9541,6 +9556,21 @@
           <a:lstStyle/>
           <a:p>
             <a:pPr eaLnBrk="1" hangingPunct="1"/>
+            <a:r>
+              <a:rPr lang="fr-FR" sz="7200" b="1" dirty="0" smtClean="0">
+                <a:solidFill>
+                  <a:schemeClr val="tx1"/>
+                </a:solidFill>
+                <a:effectLst>
+                  <a:outerShdw blurRad="38100" dist="38100" dir="2700000" algn="tl">
+                    <a:srgbClr val="000000">
+                      <a:alpha val="43137"/>
+                    </a:srgbClr>
+                  </a:outerShdw>
+                </a:effectLst>
+              </a:rPr>
+              <a:t>3. </a:t>
+            </a:r>
             <a:r>
               <a:rPr lang="fr-FR" sz="7200" b="1" dirty="0" err="1" smtClean="0">
                 <a:solidFill>
